--- a/output/presentation_rcs.pptx
+++ b/output/presentation_rcs.pptx
@@ -12,6 +12,12 @@
     <p:sldId id="259" r:id="rId6"/>
     <p:sldId id="261" r:id="rId7"/>
     <p:sldId id="260" r:id="rId8"/>
+    <p:sldId id="263" r:id="rId9"/>
+    <p:sldId id="264" r:id="rId10"/>
+    <p:sldId id="265" r:id="rId11"/>
+    <p:sldId id="266" r:id="rId12"/>
+    <p:sldId id="267" r:id="rId13"/>
+    <p:sldId id="268" r:id="rId14"/>
   </p:sldIdLst>
   <p:sldSz cx="12192000" cy="6858000"/>
   <p:notesSz cx="6858000" cy="9144000"/>
@@ -110,6 +116,11 @@
       </a:defRPr>
     </a:lvl9pPr>
   </p:defaultTextStyle>
+  <p:extLst>
+    <p:ext uri="{EFAFB233-063F-42B5-8137-9DF3F51BA10A}">
+      <p15:sldGuideLst xmlns:p15="http://schemas.microsoft.com/office/powerpoint/2012/main"/>
+    </p:ext>
+  </p:extLst>
 </p:presentation>
 </file>
 
@@ -5876,13 +5887,13 @@
         <a:lstStyle/>
         <a:p>
           <a:r>
-            <a:rPr lang="en-US" sz="1400" b="1" dirty="0">
+            <a:rPr lang="en-US" sz="1600" b="1" dirty="0">
               <a:latin typeface="Arial" panose="020B0604020202020204" pitchFamily="34" charset="0"/>
               <a:cs typeface="Arial" panose="020B0604020202020204" pitchFamily="34" charset="0"/>
             </a:rPr>
             <a:t>How many interviews?</a:t>
           </a:r>
-          <a:endParaRPr lang="es-CL" sz="1400" b="1" dirty="0">
+          <a:endParaRPr lang="es-CL" sz="1600" b="1" dirty="0">
             <a:latin typeface="Arial" panose="020B0604020202020204" pitchFamily="34" charset="0"/>
             <a:cs typeface="Arial" panose="020B0604020202020204" pitchFamily="34" charset="0"/>
           </a:endParaRPr>
@@ -5909,6 +5920,7 @@
             <a:lumOff val="25000"/>
           </a:schemeClr>
         </a:solidFill>
+        <a:ln w="19050"/>
       </dgm:spPr>
       <dgm:t>
         <a:bodyPr/>
@@ -5930,13 +5942,13 @@
         <a:lstStyle/>
         <a:p>
           <a:r>
-            <a:rPr lang="en-US" sz="1400" b="1" dirty="0">
+            <a:rPr lang="en-US" sz="1600" b="1" dirty="0">
               <a:latin typeface="Arial" panose="020B0604020202020204" pitchFamily="34" charset="0"/>
               <a:cs typeface="Arial" panose="020B0604020202020204" pitchFamily="34" charset="0"/>
             </a:rPr>
             <a:t>Over how many days?</a:t>
           </a:r>
-          <a:endParaRPr lang="es-CL" sz="1400" b="1" dirty="0">
+          <a:endParaRPr lang="es-CL" sz="1600" b="1" dirty="0">
             <a:latin typeface="Arial" panose="020B0604020202020204" pitchFamily="34" charset="0"/>
             <a:cs typeface="Arial" panose="020B0604020202020204" pitchFamily="34" charset="0"/>
           </a:endParaRPr>
@@ -5963,6 +5975,14 @@
             <a:lumOff val="25000"/>
           </a:schemeClr>
         </a:solidFill>
+        <a:ln w="19050">
+          <a:solidFill>
+            <a:schemeClr val="tx1">
+              <a:lumMod val="65000"/>
+              <a:lumOff val="35000"/>
+            </a:schemeClr>
+          </a:solidFill>
+        </a:ln>
       </dgm:spPr>
       <dgm:t>
         <a:bodyPr/>
@@ -5984,13 +6004,13 @@
         <a:lstStyle/>
         <a:p>
           <a:r>
-            <a:rPr lang="en-US" sz="1400" b="1" dirty="0">
+            <a:rPr lang="en-US" sz="1600" b="1" dirty="0">
               <a:latin typeface="Arial" panose="020B0604020202020204" pitchFamily="34" charset="0"/>
               <a:cs typeface="Arial" panose="020B0604020202020204" pitchFamily="34" charset="0"/>
             </a:rPr>
             <a:t>What is the recommended bandwidth?</a:t>
           </a:r>
-          <a:endParaRPr lang="es-CL" sz="1400" b="1" dirty="0">
+          <a:endParaRPr lang="es-CL" sz="1600" b="1" dirty="0">
             <a:latin typeface="Arial" panose="020B0604020202020204" pitchFamily="34" charset="0"/>
             <a:cs typeface="Arial" panose="020B0604020202020204" pitchFamily="34" charset="0"/>
           </a:endParaRPr>
@@ -6017,6 +6037,14 @@
             <a:lumOff val="25000"/>
           </a:schemeClr>
         </a:solidFill>
+        <a:ln w="19050">
+          <a:solidFill>
+            <a:schemeClr val="tx1">
+              <a:lumMod val="75000"/>
+              <a:lumOff val="25000"/>
+            </a:schemeClr>
+          </a:solidFill>
+        </a:ln>
       </dgm:spPr>
       <dgm:t>
         <a:bodyPr/>
@@ -6038,13 +6066,13 @@
         <a:lstStyle/>
         <a:p>
           <a:r>
-            <a:rPr lang="en-US" sz="1400" b="1" dirty="0">
+            <a:rPr lang="en-US" sz="1600" b="1" dirty="0">
               <a:latin typeface="Arial" panose="020B0604020202020204" pitchFamily="34" charset="0"/>
               <a:cs typeface="Arial" panose="020B0604020202020204" pitchFamily="34" charset="0"/>
             </a:rPr>
             <a:t>How long should we keep interview open?</a:t>
           </a:r>
-          <a:endParaRPr lang="es-CL" sz="1400" b="1" dirty="0">
+          <a:endParaRPr lang="es-CL" sz="1600" b="1" dirty="0">
             <a:latin typeface="Arial" panose="020B0604020202020204" pitchFamily="34" charset="0"/>
             <a:cs typeface="Arial" panose="020B0604020202020204" pitchFamily="34" charset="0"/>
           </a:endParaRPr>
@@ -6071,6 +6099,14 @@
             <a:lumOff val="25000"/>
           </a:schemeClr>
         </a:solidFill>
+        <a:ln w="19050">
+          <a:solidFill>
+            <a:schemeClr val="tx1">
+              <a:lumMod val="75000"/>
+              <a:lumOff val="25000"/>
+            </a:schemeClr>
+          </a:solidFill>
+        </a:ln>
       </dgm:spPr>
       <dgm:t>
         <a:bodyPr/>
@@ -8206,12 +8242,12 @@
         </a:fontRef>
       </dsp:style>
       <dsp:txBody>
-        <a:bodyPr spcFirstLastPara="0" vert="horz" wrap="square" lIns="53340" tIns="53340" rIns="53340" bIns="53340" numCol="1" spcCol="1270" anchor="ctr" anchorCtr="0">
+        <a:bodyPr spcFirstLastPara="0" vert="horz" wrap="square" lIns="60960" tIns="60960" rIns="60960" bIns="60960" numCol="1" spcCol="1270" anchor="ctr" anchorCtr="0">
           <a:noAutofit/>
         </a:bodyPr>
         <a:lstStyle/>
         <a:p>
-          <a:pPr marL="0" lvl="0" indent="0" algn="ctr" defTabSz="622300">
+          <a:pPr marL="0" lvl="0" indent="0" algn="ctr" defTabSz="711200">
             <a:lnSpc>
               <a:spcPct val="90000"/>
             </a:lnSpc>
@@ -8224,13 +8260,13 @@
             <a:buNone/>
           </a:pPr>
           <a:r>
-            <a:rPr lang="en-US" sz="1400" b="1" kern="1200" dirty="0">
+            <a:rPr lang="en-US" sz="1600" b="1" kern="1200" dirty="0">
               <a:latin typeface="Arial" panose="020B0604020202020204" pitchFamily="34" charset="0"/>
               <a:cs typeface="Arial" panose="020B0604020202020204" pitchFamily="34" charset="0"/>
             </a:rPr>
             <a:t>How many interviews?</a:t>
           </a:r>
-          <a:endParaRPr lang="es-CL" sz="1400" b="1" kern="1200" dirty="0">
+          <a:endParaRPr lang="es-CL" sz="1600" b="1" kern="1200" dirty="0">
             <a:latin typeface="Arial" panose="020B0604020202020204" pitchFamily="34" charset="0"/>
             <a:cs typeface="Arial" panose="020B0604020202020204" pitchFamily="34" charset="0"/>
           </a:endParaRPr>
@@ -8267,14 +8303,9 @@
           </a:pathLst>
         </a:custGeom>
         <a:noFill/>
-        <a:ln w="6350" cap="flat" cmpd="sng" algn="ctr">
+        <a:ln w="19050" cap="flat" cmpd="sng" algn="ctr">
           <a:solidFill>
-            <a:schemeClr val="accent3">
-              <a:hueOff val="0"/>
-              <a:satOff val="0"/>
-              <a:lumOff val="0"/>
-              <a:alphaOff val="0"/>
-            </a:schemeClr>
+            <a:scrgbClr r="0" g="0" b="0"/>
           </a:solidFill>
           <a:prstDash val="solid"/>
           <a:miter lim="800000"/>
@@ -8340,12 +8371,12 @@
         </a:fontRef>
       </dsp:style>
       <dsp:txBody>
-        <a:bodyPr spcFirstLastPara="0" vert="horz" wrap="square" lIns="53340" tIns="53340" rIns="53340" bIns="53340" numCol="1" spcCol="1270" anchor="ctr" anchorCtr="0">
+        <a:bodyPr spcFirstLastPara="0" vert="horz" wrap="square" lIns="60960" tIns="60960" rIns="60960" bIns="60960" numCol="1" spcCol="1270" anchor="ctr" anchorCtr="0">
           <a:noAutofit/>
         </a:bodyPr>
         <a:lstStyle/>
         <a:p>
-          <a:pPr marL="0" lvl="0" indent="0" algn="ctr" defTabSz="622300">
+          <a:pPr marL="0" lvl="0" indent="0" algn="ctr" defTabSz="711200">
             <a:lnSpc>
               <a:spcPct val="90000"/>
             </a:lnSpc>
@@ -8358,13 +8389,13 @@
             <a:buNone/>
           </a:pPr>
           <a:r>
-            <a:rPr lang="en-US" sz="1400" b="1" kern="1200" dirty="0">
+            <a:rPr lang="en-US" sz="1600" b="1" kern="1200" dirty="0">
               <a:latin typeface="Arial" panose="020B0604020202020204" pitchFamily="34" charset="0"/>
               <a:cs typeface="Arial" panose="020B0604020202020204" pitchFamily="34" charset="0"/>
             </a:rPr>
             <a:t>Over how many days?</a:t>
           </a:r>
-          <a:endParaRPr lang="es-CL" sz="1400" b="1" kern="1200" dirty="0">
+          <a:endParaRPr lang="es-CL" sz="1600" b="1" kern="1200" dirty="0">
             <a:latin typeface="Arial" panose="020B0604020202020204" pitchFamily="34" charset="0"/>
             <a:cs typeface="Arial" panose="020B0604020202020204" pitchFamily="34" charset="0"/>
           </a:endParaRPr>
@@ -8401,13 +8432,11 @@
           </a:pathLst>
         </a:custGeom>
         <a:noFill/>
-        <a:ln w="6350" cap="flat" cmpd="sng" algn="ctr">
+        <a:ln w="19050" cap="flat" cmpd="sng" algn="ctr">
           <a:solidFill>
-            <a:schemeClr val="accent3">
-              <a:hueOff val="903533"/>
-              <a:satOff val="33333"/>
-              <a:lumOff val="-4902"/>
-              <a:alphaOff val="0"/>
+            <a:schemeClr val="tx1">
+              <a:lumMod val="65000"/>
+              <a:lumOff val="35000"/>
             </a:schemeClr>
           </a:solidFill>
           <a:prstDash val="solid"/>
@@ -8474,12 +8503,12 @@
         </a:fontRef>
       </dsp:style>
       <dsp:txBody>
-        <a:bodyPr spcFirstLastPara="0" vert="horz" wrap="square" lIns="53340" tIns="53340" rIns="53340" bIns="53340" numCol="1" spcCol="1270" anchor="ctr" anchorCtr="0">
+        <a:bodyPr spcFirstLastPara="0" vert="horz" wrap="square" lIns="60960" tIns="60960" rIns="60960" bIns="60960" numCol="1" spcCol="1270" anchor="ctr" anchorCtr="0">
           <a:noAutofit/>
         </a:bodyPr>
         <a:lstStyle/>
         <a:p>
-          <a:pPr marL="0" lvl="0" indent="0" algn="ctr" defTabSz="622300">
+          <a:pPr marL="0" lvl="0" indent="0" algn="ctr" defTabSz="711200">
             <a:lnSpc>
               <a:spcPct val="90000"/>
             </a:lnSpc>
@@ -8492,13 +8521,13 @@
             <a:buNone/>
           </a:pPr>
           <a:r>
-            <a:rPr lang="en-US" sz="1400" b="1" kern="1200" dirty="0">
+            <a:rPr lang="en-US" sz="1600" b="1" kern="1200" dirty="0">
               <a:latin typeface="Arial" panose="020B0604020202020204" pitchFamily="34" charset="0"/>
               <a:cs typeface="Arial" panose="020B0604020202020204" pitchFamily="34" charset="0"/>
             </a:rPr>
             <a:t>What is the recommended bandwidth?</a:t>
           </a:r>
-          <a:endParaRPr lang="es-CL" sz="1400" b="1" kern="1200" dirty="0">
+          <a:endParaRPr lang="es-CL" sz="1600" b="1" kern="1200" dirty="0">
             <a:latin typeface="Arial" panose="020B0604020202020204" pitchFamily="34" charset="0"/>
             <a:cs typeface="Arial" panose="020B0604020202020204" pitchFamily="34" charset="0"/>
           </a:endParaRPr>
@@ -8535,13 +8564,11 @@
           </a:pathLst>
         </a:custGeom>
         <a:noFill/>
-        <a:ln w="6350" cap="flat" cmpd="sng" algn="ctr">
+        <a:ln w="19050" cap="flat" cmpd="sng" algn="ctr">
           <a:solidFill>
-            <a:schemeClr val="accent3">
-              <a:hueOff val="1807066"/>
-              <a:satOff val="66667"/>
-              <a:lumOff val="-9804"/>
-              <a:alphaOff val="0"/>
+            <a:schemeClr val="tx1">
+              <a:lumMod val="75000"/>
+              <a:lumOff val="25000"/>
             </a:schemeClr>
           </a:solidFill>
           <a:prstDash val="solid"/>
@@ -8608,12 +8635,12 @@
         </a:fontRef>
       </dsp:style>
       <dsp:txBody>
-        <a:bodyPr spcFirstLastPara="0" vert="horz" wrap="square" lIns="53340" tIns="53340" rIns="53340" bIns="53340" numCol="1" spcCol="1270" anchor="ctr" anchorCtr="0">
+        <a:bodyPr spcFirstLastPara="0" vert="horz" wrap="square" lIns="60960" tIns="60960" rIns="60960" bIns="60960" numCol="1" spcCol="1270" anchor="ctr" anchorCtr="0">
           <a:noAutofit/>
         </a:bodyPr>
         <a:lstStyle/>
         <a:p>
-          <a:pPr marL="0" lvl="0" indent="0" algn="ctr" defTabSz="622300">
+          <a:pPr marL="0" lvl="0" indent="0" algn="ctr" defTabSz="711200">
             <a:lnSpc>
               <a:spcPct val="90000"/>
             </a:lnSpc>
@@ -8626,13 +8653,13 @@
             <a:buNone/>
           </a:pPr>
           <a:r>
-            <a:rPr lang="en-US" sz="1400" b="1" kern="1200" dirty="0">
+            <a:rPr lang="en-US" sz="1600" b="1" kern="1200" dirty="0">
               <a:latin typeface="Arial" panose="020B0604020202020204" pitchFamily="34" charset="0"/>
               <a:cs typeface="Arial" panose="020B0604020202020204" pitchFamily="34" charset="0"/>
             </a:rPr>
             <a:t>How long should we keep interview open?</a:t>
           </a:r>
-          <a:endParaRPr lang="es-CL" sz="1400" b="1" kern="1200" dirty="0">
+          <a:endParaRPr lang="es-CL" sz="1600" b="1" kern="1200" dirty="0">
             <a:latin typeface="Arial" panose="020B0604020202020204" pitchFamily="34" charset="0"/>
             <a:cs typeface="Arial" panose="020B0604020202020204" pitchFamily="34" charset="0"/>
           </a:endParaRPr>
@@ -8669,13 +8696,11 @@
           </a:pathLst>
         </a:custGeom>
         <a:noFill/>
-        <a:ln w="6350" cap="flat" cmpd="sng" algn="ctr">
+        <a:ln w="19050" cap="flat" cmpd="sng" algn="ctr">
           <a:solidFill>
-            <a:schemeClr val="accent3">
-              <a:hueOff val="2710599"/>
-              <a:satOff val="100000"/>
-              <a:lumOff val="-14706"/>
-              <a:alphaOff val="0"/>
+            <a:schemeClr val="tx1">
+              <a:lumMod val="75000"/>
+              <a:lumOff val="25000"/>
             </a:schemeClr>
           </a:solidFill>
           <a:prstDash val="solid"/>
@@ -16007,7 +16032,7 @@
           <a:p>
             <a:fld id="{B73477CB-94D2-4533-903C-9A3189D5821A}" type="datetimeFigureOut">
               <a:rPr lang="es-CL" smtClean="0"/>
-              <a:t>18-05-2023</a:t>
+              <a:t>20-05-2023</a:t>
             </a:fld>
             <a:endParaRPr lang="es-CL"/>
           </a:p>
@@ -16207,7 +16232,7 @@
           <a:p>
             <a:fld id="{B73477CB-94D2-4533-903C-9A3189D5821A}" type="datetimeFigureOut">
               <a:rPr lang="es-CL" smtClean="0"/>
-              <a:t>18-05-2023</a:t>
+              <a:t>20-05-2023</a:t>
             </a:fld>
             <a:endParaRPr lang="es-CL"/>
           </a:p>
@@ -16417,7 +16442,7 @@
           <a:p>
             <a:fld id="{B73477CB-94D2-4533-903C-9A3189D5821A}" type="datetimeFigureOut">
               <a:rPr lang="es-CL" smtClean="0"/>
-              <a:t>18-05-2023</a:t>
+              <a:t>20-05-2023</a:t>
             </a:fld>
             <a:endParaRPr lang="es-CL"/>
           </a:p>
@@ -16617,7 +16642,7 @@
           <a:p>
             <a:fld id="{B73477CB-94D2-4533-903C-9A3189D5821A}" type="datetimeFigureOut">
               <a:rPr lang="es-CL" smtClean="0"/>
-              <a:t>18-05-2023</a:t>
+              <a:t>20-05-2023</a:t>
             </a:fld>
             <a:endParaRPr lang="es-CL"/>
           </a:p>
@@ -16893,7 +16918,7 @@
           <a:p>
             <a:fld id="{B73477CB-94D2-4533-903C-9A3189D5821A}" type="datetimeFigureOut">
               <a:rPr lang="es-CL" smtClean="0"/>
-              <a:t>18-05-2023</a:t>
+              <a:t>20-05-2023</a:t>
             </a:fld>
             <a:endParaRPr lang="es-CL"/>
           </a:p>
@@ -17161,7 +17186,7 @@
           <a:p>
             <a:fld id="{B73477CB-94D2-4533-903C-9A3189D5821A}" type="datetimeFigureOut">
               <a:rPr lang="es-CL" smtClean="0"/>
-              <a:t>18-05-2023</a:t>
+              <a:t>20-05-2023</a:t>
             </a:fld>
             <a:endParaRPr lang="es-CL"/>
           </a:p>
@@ -17576,7 +17601,7 @@
           <a:p>
             <a:fld id="{B73477CB-94D2-4533-903C-9A3189D5821A}" type="datetimeFigureOut">
               <a:rPr lang="es-CL" smtClean="0"/>
-              <a:t>18-05-2023</a:t>
+              <a:t>20-05-2023</a:t>
             </a:fld>
             <a:endParaRPr lang="es-CL"/>
           </a:p>
@@ -17718,7 +17743,7 @@
           <a:p>
             <a:fld id="{B73477CB-94D2-4533-903C-9A3189D5821A}" type="datetimeFigureOut">
               <a:rPr lang="es-CL" smtClean="0"/>
-              <a:t>18-05-2023</a:t>
+              <a:t>20-05-2023</a:t>
             </a:fld>
             <a:endParaRPr lang="es-CL"/>
           </a:p>
@@ -17831,7 +17856,7 @@
           <a:p>
             <a:fld id="{B73477CB-94D2-4533-903C-9A3189D5821A}" type="datetimeFigureOut">
               <a:rPr lang="es-CL" smtClean="0"/>
-              <a:t>18-05-2023</a:t>
+              <a:t>20-05-2023</a:t>
             </a:fld>
             <a:endParaRPr lang="es-CL"/>
           </a:p>
@@ -18144,7 +18169,7 @@
           <a:p>
             <a:fld id="{B73477CB-94D2-4533-903C-9A3189D5821A}" type="datetimeFigureOut">
               <a:rPr lang="es-CL" smtClean="0"/>
-              <a:t>18-05-2023</a:t>
+              <a:t>20-05-2023</a:t>
             </a:fld>
             <a:endParaRPr lang="es-CL"/>
           </a:p>
@@ -18433,7 +18458,7 @@
           <a:p>
             <a:fld id="{B73477CB-94D2-4533-903C-9A3189D5821A}" type="datetimeFigureOut">
               <a:rPr lang="es-CL" smtClean="0"/>
-              <a:t>18-05-2023</a:t>
+              <a:t>20-05-2023</a:t>
             </a:fld>
             <a:endParaRPr lang="es-CL"/>
           </a:p>
@@ -18676,7 +18701,7 @@
           <a:p>
             <a:fld id="{B73477CB-94D2-4533-903C-9A3189D5821A}" type="datetimeFigureOut">
               <a:rPr lang="es-CL" smtClean="0"/>
-              <a:t>18-05-2023</a:t>
+              <a:t>20-05-2023</a:t>
             </a:fld>
             <a:endParaRPr lang="es-CL"/>
           </a:p>
@@ -20219,6 +20244,774 @@
 </p:sld>
 </file>
 
+<file path=ppt/slides/slide10.xml><?xml version="1.0" encoding="utf-8"?>
+<p:sld xmlns:a="http://schemas.openxmlformats.org/drawingml/2006/main" xmlns:r="http://schemas.openxmlformats.org/officeDocument/2006/relationships" xmlns:p="http://schemas.openxmlformats.org/presentationml/2006/main">
+  <p:cSld>
+    <p:spTree>
+      <p:nvGrpSpPr>
+        <p:cNvPr id="1" name=""/>
+        <p:cNvGrpSpPr/>
+        <p:nvPr/>
+      </p:nvGrpSpPr>
+      <p:grpSpPr>
+        <a:xfrm>
+          <a:off x="0" y="0"/>
+          <a:ext cx="0" cy="0"/>
+          <a:chOff x="0" y="0"/>
+          <a:chExt cx="0" cy="0"/>
+        </a:xfrm>
+      </p:grpSpPr>
+      <p:pic>
+        <p:nvPicPr>
+          <p:cNvPr id="4" name="Picture 3" descr="A flag on a pole&#10;&#10;Description automatically generated with low confidence">
+            <a:extLst>
+              <a:ext uri="{FF2B5EF4-FFF2-40B4-BE49-F238E27FC236}">
+                <a16:creationId xmlns:a16="http://schemas.microsoft.com/office/drawing/2014/main" id="{5ACC2D84-B0AB-64FC-A88F-99E10AF92EB3}"/>
+              </a:ext>
+            </a:extLst>
+          </p:cNvPr>
+          <p:cNvPicPr>
+            <a:picLocks noChangeAspect="1"/>
+          </p:cNvPicPr>
+          <p:nvPr/>
+        </p:nvPicPr>
+        <p:blipFill>
+          <a:blip r:embed="rId2">
+            <a:extLst>
+              <a:ext uri="{28A0092B-C50C-407E-A947-70E740481C1C}">
+                <a14:useLocalDpi xmlns:a14="http://schemas.microsoft.com/office/drawing/2010/main" val="0"/>
+              </a:ext>
+            </a:extLst>
+          </a:blip>
+          <a:stretch>
+            <a:fillRect/>
+          </a:stretch>
+        </p:blipFill>
+        <p:spPr>
+          <a:xfrm>
+            <a:off x="128946" y="138741"/>
+            <a:ext cx="5343525" cy="4648200"/>
+          </a:xfrm>
+          <a:prstGeom prst="rect">
+            <a:avLst/>
+          </a:prstGeom>
+        </p:spPr>
+      </p:pic>
+      <p:pic>
+        <p:nvPicPr>
+          <p:cNvPr id="3" name="Picture 2" descr="A person in a military uniform&#10;&#10;Description automatically generated with medium confidence">
+            <a:extLst>
+              <a:ext uri="{FF2B5EF4-FFF2-40B4-BE49-F238E27FC236}">
+                <a16:creationId xmlns:a16="http://schemas.microsoft.com/office/drawing/2014/main" id="{5DA9ABDC-0CD9-8FDD-B142-A800958D559F}"/>
+              </a:ext>
+            </a:extLst>
+          </p:cNvPr>
+          <p:cNvPicPr>
+            <a:picLocks noChangeAspect="1"/>
+          </p:cNvPicPr>
+          <p:nvPr/>
+        </p:nvPicPr>
+        <p:blipFill>
+          <a:blip r:embed="rId3">
+            <a:extLst>
+              <a:ext uri="{28A0092B-C50C-407E-A947-70E740481C1C}">
+                <a14:useLocalDpi xmlns:a14="http://schemas.microsoft.com/office/drawing/2010/main" val="0"/>
+              </a:ext>
+            </a:extLst>
+          </a:blip>
+          <a:stretch>
+            <a:fillRect/>
+          </a:stretch>
+        </p:blipFill>
+        <p:spPr>
+          <a:xfrm>
+            <a:off x="4148137" y="1557337"/>
+            <a:ext cx="3895725" cy="3743325"/>
+          </a:xfrm>
+          <a:prstGeom prst="rect">
+            <a:avLst/>
+          </a:prstGeom>
+        </p:spPr>
+      </p:pic>
+      <p:pic>
+        <p:nvPicPr>
+          <p:cNvPr id="5" name="Picture 4" descr="A group of people in military uniforms&#10;&#10;Description automatically generated with low confidence">
+            <a:extLst>
+              <a:ext uri="{FF2B5EF4-FFF2-40B4-BE49-F238E27FC236}">
+                <a16:creationId xmlns:a16="http://schemas.microsoft.com/office/drawing/2014/main" id="{1D7ADD51-C649-5788-2D6F-589A7579B4F4}"/>
+              </a:ext>
+            </a:extLst>
+          </p:cNvPr>
+          <p:cNvPicPr>
+            <a:picLocks noChangeAspect="1"/>
+          </p:cNvPicPr>
+          <p:nvPr/>
+        </p:nvPicPr>
+        <p:blipFill>
+          <a:blip r:embed="rId4">
+            <a:extLst>
+              <a:ext uri="{28A0092B-C50C-407E-A947-70E740481C1C}">
+                <a14:useLocalDpi xmlns:a14="http://schemas.microsoft.com/office/drawing/2010/main" val="0"/>
+              </a:ext>
+            </a:extLst>
+          </a:blip>
+          <a:stretch>
+            <a:fillRect/>
+          </a:stretch>
+        </p:blipFill>
+        <p:spPr>
+          <a:xfrm>
+            <a:off x="1117368" y="2629114"/>
+            <a:ext cx="10429875" cy="3695700"/>
+          </a:xfrm>
+          <a:prstGeom prst="rect">
+            <a:avLst/>
+          </a:prstGeom>
+        </p:spPr>
+      </p:pic>
+    </p:spTree>
+    <p:extLst>
+      <p:ext uri="{BB962C8B-B14F-4D97-AF65-F5344CB8AC3E}">
+        <p14:creationId xmlns:p14="http://schemas.microsoft.com/office/powerpoint/2010/main" val="3580424436"/>
+      </p:ext>
+    </p:extLst>
+  </p:cSld>
+  <p:clrMapOvr>
+    <a:masterClrMapping/>
+  </p:clrMapOvr>
+</p:sld>
+</file>
+
+<file path=ppt/slides/slide11.xml><?xml version="1.0" encoding="utf-8"?>
+<p:sld xmlns:a="http://schemas.openxmlformats.org/drawingml/2006/main" xmlns:r="http://schemas.openxmlformats.org/officeDocument/2006/relationships" xmlns:p="http://schemas.openxmlformats.org/presentationml/2006/main">
+  <p:cSld>
+    <p:spTree>
+      <p:nvGrpSpPr>
+        <p:cNvPr id="1" name=""/>
+        <p:cNvGrpSpPr/>
+        <p:nvPr/>
+      </p:nvGrpSpPr>
+      <p:grpSpPr>
+        <a:xfrm>
+          <a:off x="0" y="0"/>
+          <a:ext cx="0" cy="0"/>
+          <a:chOff x="0" y="0"/>
+          <a:chExt cx="0" cy="0"/>
+        </a:xfrm>
+      </p:grpSpPr>
+      <p:pic>
+        <p:nvPicPr>
+          <p:cNvPr id="4" name="Picture 3" descr="A flag on a pole&#10;&#10;Description automatically generated with low confidence">
+            <a:extLst>
+              <a:ext uri="{FF2B5EF4-FFF2-40B4-BE49-F238E27FC236}">
+                <a16:creationId xmlns:a16="http://schemas.microsoft.com/office/drawing/2014/main" id="{5ACC2D84-B0AB-64FC-A88F-99E10AF92EB3}"/>
+              </a:ext>
+            </a:extLst>
+          </p:cNvPr>
+          <p:cNvPicPr>
+            <a:picLocks noChangeAspect="1"/>
+          </p:cNvPicPr>
+          <p:nvPr/>
+        </p:nvPicPr>
+        <p:blipFill>
+          <a:blip r:embed="rId2">
+            <a:extLst>
+              <a:ext uri="{28A0092B-C50C-407E-A947-70E740481C1C}">
+                <a14:useLocalDpi xmlns:a14="http://schemas.microsoft.com/office/drawing/2010/main" val="0"/>
+              </a:ext>
+            </a:extLst>
+          </a:blip>
+          <a:stretch>
+            <a:fillRect/>
+          </a:stretch>
+        </p:blipFill>
+        <p:spPr>
+          <a:xfrm>
+            <a:off x="128946" y="138741"/>
+            <a:ext cx="5343525" cy="4648200"/>
+          </a:xfrm>
+          <a:prstGeom prst="rect">
+            <a:avLst/>
+          </a:prstGeom>
+        </p:spPr>
+      </p:pic>
+      <p:pic>
+        <p:nvPicPr>
+          <p:cNvPr id="3" name="Picture 2" descr="A person in a military uniform&#10;&#10;Description automatically generated with medium confidence">
+            <a:extLst>
+              <a:ext uri="{FF2B5EF4-FFF2-40B4-BE49-F238E27FC236}">
+                <a16:creationId xmlns:a16="http://schemas.microsoft.com/office/drawing/2014/main" id="{5DA9ABDC-0CD9-8FDD-B142-A800958D559F}"/>
+              </a:ext>
+            </a:extLst>
+          </p:cNvPr>
+          <p:cNvPicPr>
+            <a:picLocks noChangeAspect="1"/>
+          </p:cNvPicPr>
+          <p:nvPr/>
+        </p:nvPicPr>
+        <p:blipFill>
+          <a:blip r:embed="rId3">
+            <a:extLst>
+              <a:ext uri="{28A0092B-C50C-407E-A947-70E740481C1C}">
+                <a14:useLocalDpi xmlns:a14="http://schemas.microsoft.com/office/drawing/2010/main" val="0"/>
+              </a:ext>
+            </a:extLst>
+          </a:blip>
+          <a:stretch>
+            <a:fillRect/>
+          </a:stretch>
+        </p:blipFill>
+        <p:spPr>
+          <a:xfrm>
+            <a:off x="4148137" y="1557337"/>
+            <a:ext cx="3895725" cy="3743325"/>
+          </a:xfrm>
+          <a:prstGeom prst="rect">
+            <a:avLst/>
+          </a:prstGeom>
+        </p:spPr>
+      </p:pic>
+      <p:pic>
+        <p:nvPicPr>
+          <p:cNvPr id="5" name="Picture 4" descr="A group of people in military uniforms&#10;&#10;Description automatically generated with low confidence">
+            <a:extLst>
+              <a:ext uri="{FF2B5EF4-FFF2-40B4-BE49-F238E27FC236}">
+                <a16:creationId xmlns:a16="http://schemas.microsoft.com/office/drawing/2014/main" id="{1D7ADD51-C649-5788-2D6F-589A7579B4F4}"/>
+              </a:ext>
+            </a:extLst>
+          </p:cNvPr>
+          <p:cNvPicPr>
+            <a:picLocks noChangeAspect="1"/>
+          </p:cNvPicPr>
+          <p:nvPr/>
+        </p:nvPicPr>
+        <p:blipFill>
+          <a:blip r:embed="rId4">
+            <a:extLst>
+              <a:ext uri="{28A0092B-C50C-407E-A947-70E740481C1C}">
+                <a14:useLocalDpi xmlns:a14="http://schemas.microsoft.com/office/drawing/2010/main" val="0"/>
+              </a:ext>
+            </a:extLst>
+          </a:blip>
+          <a:stretch>
+            <a:fillRect/>
+          </a:stretch>
+        </p:blipFill>
+        <p:spPr>
+          <a:xfrm>
+            <a:off x="1117368" y="2629114"/>
+            <a:ext cx="10429875" cy="3695700"/>
+          </a:xfrm>
+          <a:prstGeom prst="rect">
+            <a:avLst/>
+          </a:prstGeom>
+        </p:spPr>
+      </p:pic>
+      <p:pic>
+        <p:nvPicPr>
+          <p:cNvPr id="6" name="Picture 5" descr="A group of police officers and a child&#10;&#10;Description automatically generated with low confidence">
+            <a:extLst>
+              <a:ext uri="{FF2B5EF4-FFF2-40B4-BE49-F238E27FC236}">
+                <a16:creationId xmlns:a16="http://schemas.microsoft.com/office/drawing/2014/main" id="{141D8093-F67D-19F1-8D0C-ADFC097DCB6A}"/>
+              </a:ext>
+            </a:extLst>
+          </p:cNvPr>
+          <p:cNvPicPr>
+            <a:picLocks noChangeAspect="1"/>
+          </p:cNvPicPr>
+          <p:nvPr/>
+        </p:nvPicPr>
+        <p:blipFill>
+          <a:blip r:embed="rId5">
+            <a:extLst>
+              <a:ext uri="{28A0092B-C50C-407E-A947-70E740481C1C}">
+                <a14:useLocalDpi xmlns:a14="http://schemas.microsoft.com/office/drawing/2010/main" val="0"/>
+              </a:ext>
+            </a:extLst>
+          </a:blip>
+          <a:stretch>
+            <a:fillRect/>
+          </a:stretch>
+        </p:blipFill>
+        <p:spPr>
+          <a:xfrm>
+            <a:off x="5931732" y="471487"/>
+            <a:ext cx="5962650" cy="4829175"/>
+          </a:xfrm>
+          <a:prstGeom prst="rect">
+            <a:avLst/>
+          </a:prstGeom>
+        </p:spPr>
+      </p:pic>
+    </p:spTree>
+    <p:extLst>
+      <p:ext uri="{BB962C8B-B14F-4D97-AF65-F5344CB8AC3E}">
+        <p14:creationId xmlns:p14="http://schemas.microsoft.com/office/powerpoint/2010/main" val="3820396019"/>
+      </p:ext>
+    </p:extLst>
+  </p:cSld>
+  <p:clrMapOvr>
+    <a:masterClrMapping/>
+  </p:clrMapOvr>
+</p:sld>
+</file>
+
+<file path=ppt/slides/slide12.xml><?xml version="1.0" encoding="utf-8"?>
+<p:sld xmlns:a="http://schemas.openxmlformats.org/drawingml/2006/main" xmlns:r="http://schemas.openxmlformats.org/officeDocument/2006/relationships" xmlns:p="http://schemas.openxmlformats.org/presentationml/2006/main">
+  <p:cSld>
+    <p:spTree>
+      <p:nvGrpSpPr>
+        <p:cNvPr id="1" name=""/>
+        <p:cNvGrpSpPr/>
+        <p:nvPr/>
+      </p:nvGrpSpPr>
+      <p:grpSpPr>
+        <a:xfrm>
+          <a:off x="0" y="0"/>
+          <a:ext cx="0" cy="0"/>
+          <a:chOff x="0" y="0"/>
+          <a:chExt cx="0" cy="0"/>
+        </a:xfrm>
+      </p:grpSpPr>
+      <p:pic>
+        <p:nvPicPr>
+          <p:cNvPr id="4" name="Picture 3" descr="A flag on a pole&#10;&#10;Description automatically generated with low confidence">
+            <a:extLst>
+              <a:ext uri="{FF2B5EF4-FFF2-40B4-BE49-F238E27FC236}">
+                <a16:creationId xmlns:a16="http://schemas.microsoft.com/office/drawing/2014/main" id="{5ACC2D84-B0AB-64FC-A88F-99E10AF92EB3}"/>
+              </a:ext>
+            </a:extLst>
+          </p:cNvPr>
+          <p:cNvPicPr>
+            <a:picLocks noChangeAspect="1"/>
+          </p:cNvPicPr>
+          <p:nvPr/>
+        </p:nvPicPr>
+        <p:blipFill>
+          <a:blip r:embed="rId2">
+            <a:extLst>
+              <a:ext uri="{28A0092B-C50C-407E-A947-70E740481C1C}">
+                <a14:useLocalDpi xmlns:a14="http://schemas.microsoft.com/office/drawing/2010/main" val="0"/>
+              </a:ext>
+            </a:extLst>
+          </a:blip>
+          <a:stretch>
+            <a:fillRect/>
+          </a:stretch>
+        </p:blipFill>
+        <p:spPr>
+          <a:xfrm>
+            <a:off x="128946" y="138741"/>
+            <a:ext cx="5343525" cy="4648200"/>
+          </a:xfrm>
+          <a:prstGeom prst="rect">
+            <a:avLst/>
+          </a:prstGeom>
+        </p:spPr>
+      </p:pic>
+      <p:pic>
+        <p:nvPicPr>
+          <p:cNvPr id="3" name="Picture 2" descr="A person in a military uniform&#10;&#10;Description automatically generated with medium confidence">
+            <a:extLst>
+              <a:ext uri="{FF2B5EF4-FFF2-40B4-BE49-F238E27FC236}">
+                <a16:creationId xmlns:a16="http://schemas.microsoft.com/office/drawing/2014/main" id="{5DA9ABDC-0CD9-8FDD-B142-A800958D559F}"/>
+              </a:ext>
+            </a:extLst>
+          </p:cNvPr>
+          <p:cNvPicPr>
+            <a:picLocks noChangeAspect="1"/>
+          </p:cNvPicPr>
+          <p:nvPr/>
+        </p:nvPicPr>
+        <p:blipFill>
+          <a:blip r:embed="rId3">
+            <a:extLst>
+              <a:ext uri="{28A0092B-C50C-407E-A947-70E740481C1C}">
+                <a14:useLocalDpi xmlns:a14="http://schemas.microsoft.com/office/drawing/2010/main" val="0"/>
+              </a:ext>
+            </a:extLst>
+          </a:blip>
+          <a:stretch>
+            <a:fillRect/>
+          </a:stretch>
+        </p:blipFill>
+        <p:spPr>
+          <a:xfrm>
+            <a:off x="4148137" y="1557337"/>
+            <a:ext cx="3895725" cy="3743325"/>
+          </a:xfrm>
+          <a:prstGeom prst="rect">
+            <a:avLst/>
+          </a:prstGeom>
+        </p:spPr>
+      </p:pic>
+      <p:pic>
+        <p:nvPicPr>
+          <p:cNvPr id="5" name="Picture 4" descr="A group of people in military uniforms&#10;&#10;Description automatically generated with low confidence">
+            <a:extLst>
+              <a:ext uri="{FF2B5EF4-FFF2-40B4-BE49-F238E27FC236}">
+                <a16:creationId xmlns:a16="http://schemas.microsoft.com/office/drawing/2014/main" id="{1D7ADD51-C649-5788-2D6F-589A7579B4F4}"/>
+              </a:ext>
+            </a:extLst>
+          </p:cNvPr>
+          <p:cNvPicPr>
+            <a:picLocks noChangeAspect="1"/>
+          </p:cNvPicPr>
+          <p:nvPr/>
+        </p:nvPicPr>
+        <p:blipFill>
+          <a:blip r:embed="rId4">
+            <a:extLst>
+              <a:ext uri="{28A0092B-C50C-407E-A947-70E740481C1C}">
+                <a14:useLocalDpi xmlns:a14="http://schemas.microsoft.com/office/drawing/2010/main" val="0"/>
+              </a:ext>
+            </a:extLst>
+          </a:blip>
+          <a:stretch>
+            <a:fillRect/>
+          </a:stretch>
+        </p:blipFill>
+        <p:spPr>
+          <a:xfrm>
+            <a:off x="1117368" y="2629114"/>
+            <a:ext cx="10429875" cy="3695700"/>
+          </a:xfrm>
+          <a:prstGeom prst="rect">
+            <a:avLst/>
+          </a:prstGeom>
+        </p:spPr>
+      </p:pic>
+      <p:pic>
+        <p:nvPicPr>
+          <p:cNvPr id="6" name="Picture 5" descr="A group of police officers and a child&#10;&#10;Description automatically generated with low confidence">
+            <a:extLst>
+              <a:ext uri="{FF2B5EF4-FFF2-40B4-BE49-F238E27FC236}">
+                <a16:creationId xmlns:a16="http://schemas.microsoft.com/office/drawing/2014/main" id="{141D8093-F67D-19F1-8D0C-ADFC097DCB6A}"/>
+              </a:ext>
+            </a:extLst>
+          </p:cNvPr>
+          <p:cNvPicPr>
+            <a:picLocks noChangeAspect="1"/>
+          </p:cNvPicPr>
+          <p:nvPr/>
+        </p:nvPicPr>
+        <p:blipFill>
+          <a:blip r:embed="rId5">
+            <a:extLst>
+              <a:ext uri="{28A0092B-C50C-407E-A947-70E740481C1C}">
+                <a14:useLocalDpi xmlns:a14="http://schemas.microsoft.com/office/drawing/2010/main" val="0"/>
+              </a:ext>
+            </a:extLst>
+          </a:blip>
+          <a:stretch>
+            <a:fillRect/>
+          </a:stretch>
+        </p:blipFill>
+        <p:spPr>
+          <a:xfrm>
+            <a:off x="5931732" y="471487"/>
+            <a:ext cx="5962650" cy="4829175"/>
+          </a:xfrm>
+          <a:prstGeom prst="rect">
+            <a:avLst/>
+          </a:prstGeom>
+        </p:spPr>
+      </p:pic>
+      <p:pic>
+        <p:nvPicPr>
+          <p:cNvPr id="9" name="Picture 8" descr="A screenshot of a social media post&#10;&#10;Description automatically generated with low confidence">
+            <a:extLst>
+              <a:ext uri="{FF2B5EF4-FFF2-40B4-BE49-F238E27FC236}">
+                <a16:creationId xmlns:a16="http://schemas.microsoft.com/office/drawing/2014/main" id="{FCED29BA-09D4-3BE6-20D3-C8FEF45564E3}"/>
+              </a:ext>
+            </a:extLst>
+          </p:cNvPr>
+          <p:cNvPicPr>
+            <a:picLocks noChangeAspect="1"/>
+          </p:cNvPicPr>
+          <p:nvPr/>
+        </p:nvPicPr>
+        <p:blipFill>
+          <a:blip r:embed="rId6">
+            <a:extLst>
+              <a:ext uri="{28A0092B-C50C-407E-A947-70E740481C1C}">
+                <a14:useLocalDpi xmlns:a14="http://schemas.microsoft.com/office/drawing/2010/main" val="0"/>
+              </a:ext>
+            </a:extLst>
+          </a:blip>
+          <a:stretch>
+            <a:fillRect/>
+          </a:stretch>
+        </p:blipFill>
+        <p:spPr>
+          <a:xfrm>
+            <a:off x="229591" y="2622662"/>
+            <a:ext cx="4876666" cy="3981801"/>
+          </a:xfrm>
+          <a:prstGeom prst="rect">
+            <a:avLst/>
+          </a:prstGeom>
+        </p:spPr>
+      </p:pic>
+    </p:spTree>
+    <p:extLst>
+      <p:ext uri="{BB962C8B-B14F-4D97-AF65-F5344CB8AC3E}">
+        <p14:creationId xmlns:p14="http://schemas.microsoft.com/office/powerpoint/2010/main" val="2116718702"/>
+      </p:ext>
+    </p:extLst>
+  </p:cSld>
+  <p:clrMapOvr>
+    <a:masterClrMapping/>
+  </p:clrMapOvr>
+</p:sld>
+</file>
+
+<file path=ppt/slides/slide13.xml><?xml version="1.0" encoding="utf-8"?>
+<p:sld xmlns:a="http://schemas.openxmlformats.org/drawingml/2006/main" xmlns:r="http://schemas.openxmlformats.org/officeDocument/2006/relationships" xmlns:p="http://schemas.openxmlformats.org/presentationml/2006/main">
+  <p:cSld>
+    <p:spTree>
+      <p:nvGrpSpPr>
+        <p:cNvPr id="1" name=""/>
+        <p:cNvGrpSpPr/>
+        <p:nvPr/>
+      </p:nvGrpSpPr>
+      <p:grpSpPr>
+        <a:xfrm>
+          <a:off x="0" y="0"/>
+          <a:ext cx="0" cy="0"/>
+          <a:chOff x="0" y="0"/>
+          <a:chExt cx="0" cy="0"/>
+        </a:xfrm>
+      </p:grpSpPr>
+      <p:pic>
+        <p:nvPicPr>
+          <p:cNvPr id="4" name="Picture 3" descr="A flag on a pole&#10;&#10;Description automatically generated with low confidence">
+            <a:extLst>
+              <a:ext uri="{FF2B5EF4-FFF2-40B4-BE49-F238E27FC236}">
+                <a16:creationId xmlns:a16="http://schemas.microsoft.com/office/drawing/2014/main" id="{5ACC2D84-B0AB-64FC-A88F-99E10AF92EB3}"/>
+              </a:ext>
+            </a:extLst>
+          </p:cNvPr>
+          <p:cNvPicPr>
+            <a:picLocks noChangeAspect="1"/>
+          </p:cNvPicPr>
+          <p:nvPr/>
+        </p:nvPicPr>
+        <p:blipFill>
+          <a:blip r:embed="rId2">
+            <a:extLst>
+              <a:ext uri="{28A0092B-C50C-407E-A947-70E740481C1C}">
+                <a14:useLocalDpi xmlns:a14="http://schemas.microsoft.com/office/drawing/2010/main" val="0"/>
+              </a:ext>
+            </a:extLst>
+          </a:blip>
+          <a:stretch>
+            <a:fillRect/>
+          </a:stretch>
+        </p:blipFill>
+        <p:spPr>
+          <a:xfrm>
+            <a:off x="128946" y="138741"/>
+            <a:ext cx="5343525" cy="4648200"/>
+          </a:xfrm>
+          <a:prstGeom prst="rect">
+            <a:avLst/>
+          </a:prstGeom>
+        </p:spPr>
+      </p:pic>
+      <p:pic>
+        <p:nvPicPr>
+          <p:cNvPr id="3" name="Picture 2" descr="A person in a military uniform&#10;&#10;Description automatically generated with medium confidence">
+            <a:extLst>
+              <a:ext uri="{FF2B5EF4-FFF2-40B4-BE49-F238E27FC236}">
+                <a16:creationId xmlns:a16="http://schemas.microsoft.com/office/drawing/2014/main" id="{5DA9ABDC-0CD9-8FDD-B142-A800958D559F}"/>
+              </a:ext>
+            </a:extLst>
+          </p:cNvPr>
+          <p:cNvPicPr>
+            <a:picLocks noChangeAspect="1"/>
+          </p:cNvPicPr>
+          <p:nvPr/>
+        </p:nvPicPr>
+        <p:blipFill>
+          <a:blip r:embed="rId3">
+            <a:extLst>
+              <a:ext uri="{28A0092B-C50C-407E-A947-70E740481C1C}">
+                <a14:useLocalDpi xmlns:a14="http://schemas.microsoft.com/office/drawing/2010/main" val="0"/>
+              </a:ext>
+            </a:extLst>
+          </a:blip>
+          <a:stretch>
+            <a:fillRect/>
+          </a:stretch>
+        </p:blipFill>
+        <p:spPr>
+          <a:xfrm>
+            <a:off x="4148137" y="1557337"/>
+            <a:ext cx="3895725" cy="3743325"/>
+          </a:xfrm>
+          <a:prstGeom prst="rect">
+            <a:avLst/>
+          </a:prstGeom>
+        </p:spPr>
+      </p:pic>
+      <p:pic>
+        <p:nvPicPr>
+          <p:cNvPr id="5" name="Picture 4" descr="A group of people in military uniforms&#10;&#10;Description automatically generated with low confidence">
+            <a:extLst>
+              <a:ext uri="{FF2B5EF4-FFF2-40B4-BE49-F238E27FC236}">
+                <a16:creationId xmlns:a16="http://schemas.microsoft.com/office/drawing/2014/main" id="{1D7ADD51-C649-5788-2D6F-589A7579B4F4}"/>
+              </a:ext>
+            </a:extLst>
+          </p:cNvPr>
+          <p:cNvPicPr>
+            <a:picLocks noChangeAspect="1"/>
+          </p:cNvPicPr>
+          <p:nvPr/>
+        </p:nvPicPr>
+        <p:blipFill>
+          <a:blip r:embed="rId4">
+            <a:extLst>
+              <a:ext uri="{28A0092B-C50C-407E-A947-70E740481C1C}">
+                <a14:useLocalDpi xmlns:a14="http://schemas.microsoft.com/office/drawing/2010/main" val="0"/>
+              </a:ext>
+            </a:extLst>
+          </a:blip>
+          <a:stretch>
+            <a:fillRect/>
+          </a:stretch>
+        </p:blipFill>
+        <p:spPr>
+          <a:xfrm>
+            <a:off x="1117368" y="2629114"/>
+            <a:ext cx="10429875" cy="3695700"/>
+          </a:xfrm>
+          <a:prstGeom prst="rect">
+            <a:avLst/>
+          </a:prstGeom>
+        </p:spPr>
+      </p:pic>
+      <p:pic>
+        <p:nvPicPr>
+          <p:cNvPr id="6" name="Picture 5" descr="A group of police officers and a child&#10;&#10;Description automatically generated with low confidence">
+            <a:extLst>
+              <a:ext uri="{FF2B5EF4-FFF2-40B4-BE49-F238E27FC236}">
+                <a16:creationId xmlns:a16="http://schemas.microsoft.com/office/drawing/2014/main" id="{141D8093-F67D-19F1-8D0C-ADFC097DCB6A}"/>
+              </a:ext>
+            </a:extLst>
+          </p:cNvPr>
+          <p:cNvPicPr>
+            <a:picLocks noChangeAspect="1"/>
+          </p:cNvPicPr>
+          <p:nvPr/>
+        </p:nvPicPr>
+        <p:blipFill>
+          <a:blip r:embed="rId5">
+            <a:extLst>
+              <a:ext uri="{28A0092B-C50C-407E-A947-70E740481C1C}">
+                <a14:useLocalDpi xmlns:a14="http://schemas.microsoft.com/office/drawing/2010/main" val="0"/>
+              </a:ext>
+            </a:extLst>
+          </a:blip>
+          <a:stretch>
+            <a:fillRect/>
+          </a:stretch>
+        </p:blipFill>
+        <p:spPr>
+          <a:xfrm>
+            <a:off x="5931732" y="471487"/>
+            <a:ext cx="5962650" cy="4829175"/>
+          </a:xfrm>
+          <a:prstGeom prst="rect">
+            <a:avLst/>
+          </a:prstGeom>
+        </p:spPr>
+      </p:pic>
+      <p:pic>
+        <p:nvPicPr>
+          <p:cNvPr id="9" name="Picture 8" descr="A screenshot of a social media post&#10;&#10;Description automatically generated with low confidence">
+            <a:extLst>
+              <a:ext uri="{FF2B5EF4-FFF2-40B4-BE49-F238E27FC236}">
+                <a16:creationId xmlns:a16="http://schemas.microsoft.com/office/drawing/2014/main" id="{FCED29BA-09D4-3BE6-20D3-C8FEF45564E3}"/>
+              </a:ext>
+            </a:extLst>
+          </p:cNvPr>
+          <p:cNvPicPr>
+            <a:picLocks noChangeAspect="1"/>
+          </p:cNvPicPr>
+          <p:nvPr/>
+        </p:nvPicPr>
+        <p:blipFill>
+          <a:blip r:embed="rId6">
+            <a:extLst>
+              <a:ext uri="{28A0092B-C50C-407E-A947-70E740481C1C}">
+                <a14:useLocalDpi xmlns:a14="http://schemas.microsoft.com/office/drawing/2010/main" val="0"/>
+              </a:ext>
+            </a:extLst>
+          </a:blip>
+          <a:stretch>
+            <a:fillRect/>
+          </a:stretch>
+        </p:blipFill>
+        <p:spPr>
+          <a:xfrm>
+            <a:off x="229591" y="2622662"/>
+            <a:ext cx="4876666" cy="3981801"/>
+          </a:xfrm>
+          <a:prstGeom prst="rect">
+            <a:avLst/>
+          </a:prstGeom>
+        </p:spPr>
+      </p:pic>
+      <p:pic>
+        <p:nvPicPr>
+          <p:cNvPr id="7" name="Picture 6" descr="A picture containing flower, text, funeral, clothing&#10;&#10;Description automatically generated">
+            <a:extLst>
+              <a:ext uri="{FF2B5EF4-FFF2-40B4-BE49-F238E27FC236}">
+                <a16:creationId xmlns:a16="http://schemas.microsoft.com/office/drawing/2014/main" id="{6EE6E20B-9AFA-EE9E-CFB0-98B48FF28011}"/>
+              </a:ext>
+            </a:extLst>
+          </p:cNvPr>
+          <p:cNvPicPr>
+            <a:picLocks noChangeAspect="1"/>
+          </p:cNvPicPr>
+          <p:nvPr/>
+        </p:nvPicPr>
+        <p:blipFill>
+          <a:blip r:embed="rId7">
+            <a:extLst>
+              <a:ext uri="{28A0092B-C50C-407E-A947-70E740481C1C}">
+                <a14:useLocalDpi xmlns:a14="http://schemas.microsoft.com/office/drawing/2010/main" val="0"/>
+              </a:ext>
+            </a:extLst>
+          </a:blip>
+          <a:stretch>
+            <a:fillRect/>
+          </a:stretch>
+        </p:blipFill>
+        <p:spPr>
+          <a:xfrm>
+            <a:off x="2950407" y="825962"/>
+            <a:ext cx="5962650" cy="4894303"/>
+          </a:xfrm>
+          <a:prstGeom prst="rect">
+            <a:avLst/>
+          </a:prstGeom>
+        </p:spPr>
+      </p:pic>
+    </p:spTree>
+    <p:extLst>
+      <p:ext uri="{BB962C8B-B14F-4D97-AF65-F5344CB8AC3E}">
+        <p14:creationId xmlns:p14="http://schemas.microsoft.com/office/powerpoint/2010/main" val="2792706972"/>
+      </p:ext>
+    </p:extLst>
+  </p:cSld>
+  <p:clrMapOvr>
+    <a:masterClrMapping/>
+  </p:clrMapOvr>
+</p:sld>
+</file>
+
 <file path=ppt/slides/slide2.xml><?xml version="1.0" encoding="utf-8"?>
 <p:sld xmlns:a="http://schemas.openxmlformats.org/drawingml/2006/main" xmlns:r="http://schemas.openxmlformats.org/officeDocument/2006/relationships" xmlns:p="http://schemas.openxmlformats.org/presentationml/2006/main">
   <p:cSld>
@@ -21419,7 +22212,7 @@
           <p:nvPr>
             <p:extLst>
               <p:ext uri="{D42A27DB-BD31-4B8C-83A1-F6EECF244321}">
-                <p14:modId xmlns:p14="http://schemas.microsoft.com/office/powerpoint/2010/main" val="3879357856"/>
+                <p14:modId xmlns:p14="http://schemas.microsoft.com/office/powerpoint/2010/main" val="2421280060"/>
               </p:ext>
             </p:extLst>
           </p:nvPr>
@@ -21438,6 +22231,174 @@
     <p:extLst>
       <p:ext uri="{BB962C8B-B14F-4D97-AF65-F5344CB8AC3E}">
         <p14:creationId xmlns:p14="http://schemas.microsoft.com/office/powerpoint/2010/main" val="1795943092"/>
+      </p:ext>
+    </p:extLst>
+  </p:cSld>
+  <p:clrMapOvr>
+    <a:masterClrMapping/>
+  </p:clrMapOvr>
+</p:sld>
+</file>
+
+<file path=ppt/slides/slide8.xml><?xml version="1.0" encoding="utf-8"?>
+<p:sld xmlns:a="http://schemas.openxmlformats.org/drawingml/2006/main" xmlns:r="http://schemas.openxmlformats.org/officeDocument/2006/relationships" xmlns:p="http://schemas.openxmlformats.org/presentationml/2006/main">
+  <p:cSld>
+    <p:spTree>
+      <p:nvGrpSpPr>
+        <p:cNvPr id="1" name=""/>
+        <p:cNvGrpSpPr/>
+        <p:nvPr/>
+      </p:nvGrpSpPr>
+      <p:grpSpPr>
+        <a:xfrm>
+          <a:off x="0" y="0"/>
+          <a:ext cx="0" cy="0"/>
+          <a:chOff x="0" y="0"/>
+          <a:chExt cx="0" cy="0"/>
+        </a:xfrm>
+      </p:grpSpPr>
+      <p:pic>
+        <p:nvPicPr>
+          <p:cNvPr id="4" name="Picture 3" descr="A flag on a pole&#10;&#10;Description automatically generated with low confidence">
+            <a:extLst>
+              <a:ext uri="{FF2B5EF4-FFF2-40B4-BE49-F238E27FC236}">
+                <a16:creationId xmlns:a16="http://schemas.microsoft.com/office/drawing/2014/main" id="{5ACC2D84-B0AB-64FC-A88F-99E10AF92EB3}"/>
+              </a:ext>
+            </a:extLst>
+          </p:cNvPr>
+          <p:cNvPicPr>
+            <a:picLocks noChangeAspect="1"/>
+          </p:cNvPicPr>
+          <p:nvPr/>
+        </p:nvPicPr>
+        <p:blipFill>
+          <a:blip r:embed="rId2">
+            <a:extLst>
+              <a:ext uri="{28A0092B-C50C-407E-A947-70E740481C1C}">
+                <a14:useLocalDpi xmlns:a14="http://schemas.microsoft.com/office/drawing/2010/main" val="0"/>
+              </a:ext>
+            </a:extLst>
+          </a:blip>
+          <a:stretch>
+            <a:fillRect/>
+          </a:stretch>
+        </p:blipFill>
+        <p:spPr>
+          <a:xfrm>
+            <a:off x="128946" y="138741"/>
+            <a:ext cx="5343525" cy="4648200"/>
+          </a:xfrm>
+          <a:prstGeom prst="rect">
+            <a:avLst/>
+          </a:prstGeom>
+        </p:spPr>
+      </p:pic>
+    </p:spTree>
+    <p:extLst>
+      <p:ext uri="{BB962C8B-B14F-4D97-AF65-F5344CB8AC3E}">
+        <p14:creationId xmlns:p14="http://schemas.microsoft.com/office/powerpoint/2010/main" val="3292926531"/>
+      </p:ext>
+    </p:extLst>
+  </p:cSld>
+  <p:clrMapOvr>
+    <a:masterClrMapping/>
+  </p:clrMapOvr>
+</p:sld>
+</file>
+
+<file path=ppt/slides/slide9.xml><?xml version="1.0" encoding="utf-8"?>
+<p:sld xmlns:a="http://schemas.openxmlformats.org/drawingml/2006/main" xmlns:r="http://schemas.openxmlformats.org/officeDocument/2006/relationships" xmlns:p="http://schemas.openxmlformats.org/presentationml/2006/main">
+  <p:cSld>
+    <p:spTree>
+      <p:nvGrpSpPr>
+        <p:cNvPr id="1" name=""/>
+        <p:cNvGrpSpPr/>
+        <p:nvPr/>
+      </p:nvGrpSpPr>
+      <p:grpSpPr>
+        <a:xfrm>
+          <a:off x="0" y="0"/>
+          <a:ext cx="0" cy="0"/>
+          <a:chOff x="0" y="0"/>
+          <a:chExt cx="0" cy="0"/>
+        </a:xfrm>
+      </p:grpSpPr>
+      <p:pic>
+        <p:nvPicPr>
+          <p:cNvPr id="4" name="Picture 3" descr="A flag on a pole&#10;&#10;Description automatically generated with low confidence">
+            <a:extLst>
+              <a:ext uri="{FF2B5EF4-FFF2-40B4-BE49-F238E27FC236}">
+                <a16:creationId xmlns:a16="http://schemas.microsoft.com/office/drawing/2014/main" id="{5ACC2D84-B0AB-64FC-A88F-99E10AF92EB3}"/>
+              </a:ext>
+            </a:extLst>
+          </p:cNvPr>
+          <p:cNvPicPr>
+            <a:picLocks noChangeAspect="1"/>
+          </p:cNvPicPr>
+          <p:nvPr/>
+        </p:nvPicPr>
+        <p:blipFill>
+          <a:blip r:embed="rId2">
+            <a:extLst>
+              <a:ext uri="{28A0092B-C50C-407E-A947-70E740481C1C}">
+                <a14:useLocalDpi xmlns:a14="http://schemas.microsoft.com/office/drawing/2010/main" val="0"/>
+              </a:ext>
+            </a:extLst>
+          </a:blip>
+          <a:stretch>
+            <a:fillRect/>
+          </a:stretch>
+        </p:blipFill>
+        <p:spPr>
+          <a:xfrm>
+            <a:off x="128946" y="138741"/>
+            <a:ext cx="5343525" cy="4648200"/>
+          </a:xfrm>
+          <a:prstGeom prst="rect">
+            <a:avLst/>
+          </a:prstGeom>
+        </p:spPr>
+      </p:pic>
+      <p:pic>
+        <p:nvPicPr>
+          <p:cNvPr id="3" name="Picture 2" descr="A person in a military uniform&#10;&#10;Description automatically generated with medium confidence">
+            <a:extLst>
+              <a:ext uri="{FF2B5EF4-FFF2-40B4-BE49-F238E27FC236}">
+                <a16:creationId xmlns:a16="http://schemas.microsoft.com/office/drawing/2014/main" id="{5DA9ABDC-0CD9-8FDD-B142-A800958D559F}"/>
+              </a:ext>
+            </a:extLst>
+          </p:cNvPr>
+          <p:cNvPicPr>
+            <a:picLocks noChangeAspect="1"/>
+          </p:cNvPicPr>
+          <p:nvPr/>
+        </p:nvPicPr>
+        <p:blipFill>
+          <a:blip r:embed="rId3">
+            <a:extLst>
+              <a:ext uri="{28A0092B-C50C-407E-A947-70E740481C1C}">
+                <a14:useLocalDpi xmlns:a14="http://schemas.microsoft.com/office/drawing/2010/main" val="0"/>
+              </a:ext>
+            </a:extLst>
+          </a:blip>
+          <a:stretch>
+            <a:fillRect/>
+          </a:stretch>
+        </p:blipFill>
+        <p:spPr>
+          <a:xfrm>
+            <a:off x="4148137" y="1557337"/>
+            <a:ext cx="3895725" cy="3743325"/>
+          </a:xfrm>
+          <a:prstGeom prst="rect">
+            <a:avLst/>
+          </a:prstGeom>
+        </p:spPr>
+      </p:pic>
+    </p:spTree>
+    <p:extLst>
+      <p:ext uri="{BB962C8B-B14F-4D97-AF65-F5344CB8AC3E}">
+        <p14:creationId xmlns:p14="http://schemas.microsoft.com/office/powerpoint/2010/main" val="279038095"/>
       </p:ext>
     </p:extLst>
   </p:cSld>
